--- a/hoomd-blue/sphinx-doc/tutorial/05-Organizing-and-Executing-Simulations/Tutorial concept map.pptx
+++ b/hoomd-blue/sphinx-doc/tutorial/05-Organizing-and-Executing-Simulations/Tutorial concept map.pptx
@@ -1592,7 +1592,7 @@
           <a:p>
             <a:fld id="{DFFC7CB6-3F03-4DA5-A19A-28979D94709C}" type="datetimeFigureOut">
               <a:rPr lang="en-US" smtClean="0"/>
-              <a:t>1/10/22</a:t>
+              <a:t>5/2/25</a:t>
             </a:fld>
             <a:endParaRPr lang="en-US"/>
           </a:p>
@@ -1762,7 +1762,7 @@
           <a:p>
             <a:fld id="{DFFC7CB6-3F03-4DA5-A19A-28979D94709C}" type="datetimeFigureOut">
               <a:rPr lang="en-US" smtClean="0"/>
-              <a:t>1/10/22</a:t>
+              <a:t>5/2/25</a:t>
             </a:fld>
             <a:endParaRPr lang="en-US"/>
           </a:p>
@@ -1942,7 +1942,7 @@
           <a:p>
             <a:fld id="{DFFC7CB6-3F03-4DA5-A19A-28979D94709C}" type="datetimeFigureOut">
               <a:rPr lang="en-US" smtClean="0"/>
-              <a:t>1/10/22</a:t>
+              <a:t>5/2/25</a:t>
             </a:fld>
             <a:endParaRPr lang="en-US"/>
           </a:p>
@@ -2112,7 +2112,7 @@
           <a:p>
             <a:fld id="{DFFC7CB6-3F03-4DA5-A19A-28979D94709C}" type="datetimeFigureOut">
               <a:rPr lang="en-US" smtClean="0"/>
-              <a:t>1/10/22</a:t>
+              <a:t>5/2/25</a:t>
             </a:fld>
             <a:endParaRPr lang="en-US"/>
           </a:p>
@@ -2356,7 +2356,7 @@
           <a:p>
             <a:fld id="{DFFC7CB6-3F03-4DA5-A19A-28979D94709C}" type="datetimeFigureOut">
               <a:rPr lang="en-US" smtClean="0"/>
-              <a:t>1/10/22</a:t>
+              <a:t>5/2/25</a:t>
             </a:fld>
             <a:endParaRPr lang="en-US"/>
           </a:p>
@@ -2588,7 +2588,7 @@
           <a:p>
             <a:fld id="{DFFC7CB6-3F03-4DA5-A19A-28979D94709C}" type="datetimeFigureOut">
               <a:rPr lang="en-US" smtClean="0"/>
-              <a:t>1/10/22</a:t>
+              <a:t>5/2/25</a:t>
             </a:fld>
             <a:endParaRPr lang="en-US"/>
           </a:p>
@@ -2955,7 +2955,7 @@
           <a:p>
             <a:fld id="{DFFC7CB6-3F03-4DA5-A19A-28979D94709C}" type="datetimeFigureOut">
               <a:rPr lang="en-US" smtClean="0"/>
-              <a:t>1/10/22</a:t>
+              <a:t>5/2/25</a:t>
             </a:fld>
             <a:endParaRPr lang="en-US"/>
           </a:p>
@@ -3073,7 +3073,7 @@
           <a:p>
             <a:fld id="{DFFC7CB6-3F03-4DA5-A19A-28979D94709C}" type="datetimeFigureOut">
               <a:rPr lang="en-US" smtClean="0"/>
-              <a:t>1/10/22</a:t>
+              <a:t>5/2/25</a:t>
             </a:fld>
             <a:endParaRPr lang="en-US"/>
           </a:p>
@@ -3168,7 +3168,7 @@
           <a:p>
             <a:fld id="{DFFC7CB6-3F03-4DA5-A19A-28979D94709C}" type="datetimeFigureOut">
               <a:rPr lang="en-US" smtClean="0"/>
-              <a:t>1/10/22</a:t>
+              <a:t>5/2/25</a:t>
             </a:fld>
             <a:endParaRPr lang="en-US"/>
           </a:p>
@@ -3445,7 +3445,7 @@
           <a:p>
             <a:fld id="{DFFC7CB6-3F03-4DA5-A19A-28979D94709C}" type="datetimeFigureOut">
               <a:rPr lang="en-US" smtClean="0"/>
-              <a:t>1/10/22</a:t>
+              <a:t>5/2/25</a:t>
             </a:fld>
             <a:endParaRPr lang="en-US"/>
           </a:p>
@@ -3702,7 +3702,7 @@
           <a:p>
             <a:fld id="{DFFC7CB6-3F03-4DA5-A19A-28979D94709C}" type="datetimeFigureOut">
               <a:rPr lang="en-US" smtClean="0"/>
-              <a:t>1/10/22</a:t>
+              <a:t>5/2/25</a:t>
             </a:fld>
             <a:endParaRPr lang="en-US"/>
           </a:p>
@@ -3915,7 +3915,7 @@
           <a:p>
             <a:fld id="{DFFC7CB6-3F03-4DA5-A19A-28979D94709C}" type="datetimeFigureOut">
               <a:rPr lang="en-US" smtClean="0"/>
-              <a:t>1/10/22</a:t>
+              <a:t>5/2/25</a:t>
             </a:fld>
             <a:endParaRPr lang="en-US"/>
           </a:p>
@@ -5367,12 +5367,8 @@
           <a:p>
             <a:pPr algn="ctr"/>
             <a:r>
-              <a:rPr lang="en-US" sz="1000" dirty="0" err="1"/>
-              <a:t>signac</a:t>
-            </a:r>
-            <a:r>
               <a:rPr lang="en-US" sz="1000" dirty="0"/>
-              <a:t>-flow</a:t>
+              <a:t>row</a:t>
             </a:r>
           </a:p>
         </p:txBody>
@@ -6543,12 +6539,8 @@
           <a:p>
             <a:pPr algn="ctr"/>
             <a:r>
-              <a:rPr lang="en-US" sz="1000" dirty="0" err="1"/>
-              <a:t>signac</a:t>
-            </a:r>
-            <a:r>
               <a:rPr lang="en-US" sz="1000" dirty="0"/>
-              <a:t>-flow operation</a:t>
+              <a:t>row action</a:t>
             </a:r>
           </a:p>
         </p:txBody>
@@ -7907,14 +7899,7 @@
             <a:pPr algn="ctr"/>
             <a:r>
               <a:rPr lang="en-US" sz="1000" dirty="0"/>
-              <a:t>pre-conditions</a:t>
-            </a:r>
-          </a:p>
-          <a:p>
-            <a:pPr algn="ctr"/>
-            <a:r>
-              <a:rPr lang="en-US" sz="1000" dirty="0"/>
-              <a:t>post-conditions</a:t>
+              <a:t>previous actions</a:t>
             </a:r>
           </a:p>
         </p:txBody>
@@ -8294,9 +8279,12 @@
 </file>
 
 <file path=customXml/item1.xml><?xml version="1.0" encoding="utf-8"?>
-<p:properties xmlns:p="http://schemas.microsoft.com/office/2006/metadata/properties" xmlns:xsi="http://www.w3.org/2001/XMLSchema-instance" xmlns:pc="http://schemas.microsoft.com/office/infopath/2007/PartnerControls">
-  <documentManagement/>
-</p:properties>
+<?mso-contentType ?>
+<FormTemplates xmlns="http://schemas.microsoft.com/sharepoint/v3/contenttype/forms">
+  <Display>DocumentLibraryForm</Display>
+  <Edit>DocumentLibraryForm</Edit>
+  <New>DocumentLibraryForm</New>
+</FormTemplates>
 </file>
 
 <file path=customXml/item2.xml><?xml version="1.0" encoding="utf-8"?>
@@ -8485,27 +8473,15 @@
 </file>
 
 <file path=customXml/item3.xml><?xml version="1.0" encoding="utf-8"?>
-<?mso-contentType ?>
-<FormTemplates xmlns="http://schemas.microsoft.com/sharepoint/v3/contenttype/forms">
-  <Display>DocumentLibraryForm</Display>
-  <Edit>DocumentLibraryForm</Edit>
-  <New>DocumentLibraryForm</New>
-</FormTemplates>
+<p:properties xmlns:p="http://schemas.microsoft.com/office/2006/metadata/properties" xmlns:xsi="http://www.w3.org/2001/XMLSchema-instance" xmlns:pc="http://schemas.microsoft.com/office/infopath/2007/PartnerControls">
+  <documentManagement/>
+</p:properties>
 </file>
 
 <file path=customXml/itemProps1.xml><?xml version="1.0" encoding="utf-8"?>
-<ds:datastoreItem xmlns:ds="http://schemas.openxmlformats.org/officeDocument/2006/customXml" ds:itemID="{B2EEF4C2-B825-4C9B-A033-6E39257896B4}">
+<ds:datastoreItem xmlns:ds="http://schemas.openxmlformats.org/officeDocument/2006/customXml" ds:itemID="{28A064EC-A1CC-402C-A274-2BE11FBCE95E}">
   <ds:schemaRefs>
-    <ds:schemaRef ds:uri="http://purl.org/dc/terms/"/>
-    <ds:schemaRef ds:uri="http://schemas.openxmlformats.org/package/2006/metadata/core-properties"/>
-    <ds:schemaRef ds:uri="http://purl.org/dc/dcmitype/"/>
-    <ds:schemaRef ds:uri="http://schemas.microsoft.com/office/infopath/2007/PartnerControls"/>
-    <ds:schemaRef ds:uri="a6cfb5f1-c595-45e2-8165-45a43efe8fd5"/>
-    <ds:schemaRef ds:uri="http://purl.org/dc/elements/1.1/"/>
-    <ds:schemaRef ds:uri="http://schemas.microsoft.com/office/2006/metadata/properties"/>
-    <ds:schemaRef ds:uri="http://schemas.microsoft.com/office/2006/documentManagement/types"/>
-    <ds:schemaRef ds:uri="131fc26a-9507-40b5-b696-79d0ac22f77e"/>
-    <ds:schemaRef ds:uri="http://www.w3.org/XML/1998/namespace"/>
+    <ds:schemaRef ds:uri="http://schemas.microsoft.com/sharepoint/v3/contenttype/forms"/>
   </ds:schemaRefs>
 </ds:datastoreItem>
 </file>
@@ -8530,9 +8506,18 @@
 </file>
 
 <file path=customXml/itemProps3.xml><?xml version="1.0" encoding="utf-8"?>
-<ds:datastoreItem xmlns:ds="http://schemas.openxmlformats.org/officeDocument/2006/customXml" ds:itemID="{28A064EC-A1CC-402C-A274-2BE11FBCE95E}">
+<ds:datastoreItem xmlns:ds="http://schemas.openxmlformats.org/officeDocument/2006/customXml" ds:itemID="{B2EEF4C2-B825-4C9B-A033-6E39257896B4}">
   <ds:schemaRefs>
-    <ds:schemaRef ds:uri="http://schemas.microsoft.com/sharepoint/v3/contenttype/forms"/>
+    <ds:schemaRef ds:uri="http://purl.org/dc/terms/"/>
+    <ds:schemaRef ds:uri="http://schemas.openxmlformats.org/package/2006/metadata/core-properties"/>
+    <ds:schemaRef ds:uri="http://purl.org/dc/dcmitype/"/>
+    <ds:schemaRef ds:uri="http://schemas.microsoft.com/office/infopath/2007/PartnerControls"/>
+    <ds:schemaRef ds:uri="a6cfb5f1-c595-45e2-8165-45a43efe8fd5"/>
+    <ds:schemaRef ds:uri="http://purl.org/dc/elements/1.1/"/>
+    <ds:schemaRef ds:uri="http://schemas.microsoft.com/office/2006/metadata/properties"/>
+    <ds:schemaRef ds:uri="http://schemas.microsoft.com/office/2006/documentManagement/types"/>
+    <ds:schemaRef ds:uri="131fc26a-9507-40b5-b696-79d0ac22f77e"/>
+    <ds:schemaRef ds:uri="http://www.w3.org/XML/1998/namespace"/>
   </ds:schemaRefs>
 </ds:datastoreItem>
 </file>